--- a/1. Bahan Ajar/01. ADSI - Pendahuluan.pptx
+++ b/1. Bahan Ajar/01. ADSI - Pendahuluan.pptx
@@ -486,11 +486,11 @@
         </c:dLbls>
         <c:gapWidth val="219"/>
         <c:overlap val="-27"/>
-        <c:axId val="472326880"/>
-        <c:axId val="472317472"/>
+        <c:axId val="438648184"/>
+        <c:axId val="438646224"/>
       </c:barChart>
       <c:catAx>
-        <c:axId val="472326880"/>
+        <c:axId val="438648184"/>
         <c:scaling>
           <c:orientation val="minMax"/>
         </c:scaling>
@@ -533,7 +533,7 @@
             <a:endParaRPr lang="id-ID"/>
           </a:p>
         </c:txPr>
-        <c:crossAx val="472317472"/>
+        <c:crossAx val="438646224"/>
         <c:crosses val="autoZero"/>
         <c:auto val="1"/>
         <c:lblAlgn val="ctr"/>
@@ -541,7 +541,7 @@
         <c:noMultiLvlLbl val="0"/>
       </c:catAx>
       <c:valAx>
-        <c:axId val="472317472"/>
+        <c:axId val="438646224"/>
         <c:scaling>
           <c:orientation val="minMax"/>
         </c:scaling>
@@ -592,7 +592,7 @@
             <a:endParaRPr lang="id-ID"/>
           </a:p>
         </c:txPr>
-        <c:crossAx val="472326880"/>
+        <c:crossAx val="438648184"/>
         <c:crosses val="autoZero"/>
         <c:crossBetween val="between"/>
       </c:valAx>
@@ -7859,24 +7859,24 @@
     </dgm:pt>
   </dgm:ptLst>
   <dgm:cxnLst>
+    <dgm:cxn modelId="{28B58478-9372-4A92-A549-AE68851C8A49}" srcId="{6F25BBEC-0B83-4014-BB81-F422AB9D8AD3}" destId="{150FC9FD-B6B9-454E-AE36-73AFA90D7326}" srcOrd="2" destOrd="0" parTransId="{9AFC12C8-D1B8-4039-98C5-8B11A89D87E4}" sibTransId="{71695F92-F561-4399-9520-F469FFB0D102}"/>
+    <dgm:cxn modelId="{7DE22934-8ADE-4C99-B349-855E143AED06}" type="presOf" srcId="{C5BAC7C4-4E77-4152-8995-3AEB76FD61EE}" destId="{F1EBBDF8-315C-40E9-9429-9BA55CFE40BC}" srcOrd="1" destOrd="0" presId="urn:microsoft.com/office/officeart/2005/8/layout/hProcess4"/>
     <dgm:cxn modelId="{1F121CC1-F3D2-4083-8555-F5F51A5F703C}" srcId="{6F1F1240-75AD-4286-805E-8899DFBC2AA9}" destId="{8D4E3BA7-6EEC-4F99-AC5D-C1E40CB8D55C}" srcOrd="0" destOrd="0" parTransId="{98EB980A-B692-4494-B3B0-6A606D0B5AE0}" sibTransId="{720651C0-1D4A-4991-8A20-BCB7AB7A36AD}"/>
+    <dgm:cxn modelId="{14C2D548-BC70-4F0B-9B6C-0EBF38CD0DA4}" type="presOf" srcId="{5CCA95A3-3FDF-4659-A762-73246EA3E286}" destId="{DF24D4A9-B470-4320-BE82-FCD8578FB1CC}" srcOrd="0" destOrd="0" presId="urn:microsoft.com/office/officeart/2005/8/layout/hProcess4"/>
+    <dgm:cxn modelId="{AA4FC649-5EB8-4576-88E9-065430549759}" type="presOf" srcId="{8D4E3BA7-6EEC-4F99-AC5D-C1E40CB8D55C}" destId="{CF86143A-40F0-43B8-A1D7-D53F6C1F0DF8}" srcOrd="1" destOrd="0" presId="urn:microsoft.com/office/officeart/2005/8/layout/hProcess4"/>
+    <dgm:cxn modelId="{31657238-770C-4012-A35B-AB088946CA02}" srcId="{6F25BBEC-0B83-4014-BB81-F422AB9D8AD3}" destId="{5CCA95A3-3FDF-4659-A762-73246EA3E286}" srcOrd="0" destOrd="0" parTransId="{5E43DFDE-A6A1-47D8-8254-F075E4811F4C}" sibTransId="{F3334486-6F30-4B68-BABB-19445B4896E5}"/>
+    <dgm:cxn modelId="{6F0B0C16-48C4-4E3E-A85B-C72F90E05D80}" srcId="{150FC9FD-B6B9-454E-AE36-73AFA90D7326}" destId="{62B138A7-62AA-499D-9E59-305408F11315}" srcOrd="0" destOrd="0" parTransId="{0055A947-4ECD-4E00-B00C-C4330A07FC5A}" sibTransId="{C9471C4E-FEA0-499D-B277-68D230899552}"/>
+    <dgm:cxn modelId="{A842543B-8882-4E48-8E47-2B08703067E9}" type="presOf" srcId="{6F25BBEC-0B83-4014-BB81-F422AB9D8AD3}" destId="{0A9AEA7F-008A-42ED-9D66-C50B9FF0E844}" srcOrd="0" destOrd="0" presId="urn:microsoft.com/office/officeart/2005/8/layout/hProcess4"/>
+    <dgm:cxn modelId="{F2F3EF04-054B-424E-9B08-228212E9F5DA}" type="presOf" srcId="{62B138A7-62AA-499D-9E59-305408F11315}" destId="{557C97AD-DB82-48E3-BF12-C4AFAE65C9BD}" srcOrd="1" destOrd="0" presId="urn:microsoft.com/office/officeart/2005/8/layout/hProcess4"/>
+    <dgm:cxn modelId="{508AC67A-51DA-4FEC-BF5F-F5C874812E05}" type="presOf" srcId="{8D4E3BA7-6EEC-4F99-AC5D-C1E40CB8D55C}" destId="{4D6D661C-5A5B-432F-8292-C68755EED9EE}" srcOrd="0" destOrd="0" presId="urn:microsoft.com/office/officeart/2005/8/layout/hProcess4"/>
     <dgm:cxn modelId="{83045542-C804-4E36-AFC6-652403FF3D25}" type="presOf" srcId="{C5BAC7C4-4E77-4152-8995-3AEB76FD61EE}" destId="{7954945F-0451-4F49-8D6F-A871457B93DB}" srcOrd="0" destOrd="0" presId="urn:microsoft.com/office/officeart/2005/8/layout/hProcess4"/>
-    <dgm:cxn modelId="{31657238-770C-4012-A35B-AB088946CA02}" srcId="{6F25BBEC-0B83-4014-BB81-F422AB9D8AD3}" destId="{5CCA95A3-3FDF-4659-A762-73246EA3E286}" srcOrd="0" destOrd="0" parTransId="{5E43DFDE-A6A1-47D8-8254-F075E4811F4C}" sibTransId="{F3334486-6F30-4B68-BABB-19445B4896E5}"/>
-    <dgm:cxn modelId="{7DE22934-8ADE-4C99-B349-855E143AED06}" type="presOf" srcId="{C5BAC7C4-4E77-4152-8995-3AEB76FD61EE}" destId="{F1EBBDF8-315C-40E9-9429-9BA55CFE40BC}" srcOrd="1" destOrd="0" presId="urn:microsoft.com/office/officeart/2005/8/layout/hProcess4"/>
-    <dgm:cxn modelId="{AA4FC649-5EB8-4576-88E9-065430549759}" type="presOf" srcId="{8D4E3BA7-6EEC-4F99-AC5D-C1E40CB8D55C}" destId="{CF86143A-40F0-43B8-A1D7-D53F6C1F0DF8}" srcOrd="1" destOrd="0" presId="urn:microsoft.com/office/officeart/2005/8/layout/hProcess4"/>
-    <dgm:cxn modelId="{508AC67A-51DA-4FEC-BF5F-F5C874812E05}" type="presOf" srcId="{8D4E3BA7-6EEC-4F99-AC5D-C1E40CB8D55C}" destId="{4D6D661C-5A5B-432F-8292-C68755EED9EE}" srcOrd="0" destOrd="0" presId="urn:microsoft.com/office/officeart/2005/8/layout/hProcess4"/>
-    <dgm:cxn modelId="{F2F3EF04-054B-424E-9B08-228212E9F5DA}" type="presOf" srcId="{62B138A7-62AA-499D-9E59-305408F11315}" destId="{557C97AD-DB82-48E3-BF12-C4AFAE65C9BD}" srcOrd="1" destOrd="0" presId="urn:microsoft.com/office/officeart/2005/8/layout/hProcess4"/>
-    <dgm:cxn modelId="{28B58478-9372-4A92-A549-AE68851C8A49}" srcId="{6F25BBEC-0B83-4014-BB81-F422AB9D8AD3}" destId="{150FC9FD-B6B9-454E-AE36-73AFA90D7326}" srcOrd="2" destOrd="0" parTransId="{9AFC12C8-D1B8-4039-98C5-8B11A89D87E4}" sibTransId="{71695F92-F561-4399-9520-F469FFB0D102}"/>
+    <dgm:cxn modelId="{5B1E58AA-8A5C-41AD-B1B0-2CA35D55EB73}" type="presOf" srcId="{C6326527-127A-40A2-A295-BCBA640CD81C}" destId="{6A04ED8E-3529-4EB3-B64D-220CF1E5C0CA}" srcOrd="0" destOrd="0" presId="urn:microsoft.com/office/officeart/2005/8/layout/hProcess4"/>
     <dgm:cxn modelId="{9CA8555B-E293-4476-9C9F-C90044ABAADA}" type="presOf" srcId="{150FC9FD-B6B9-454E-AE36-73AFA90D7326}" destId="{5F401D0E-9F87-478E-9D65-2E423ADBF482}" srcOrd="0" destOrd="0" presId="urn:microsoft.com/office/officeart/2005/8/layout/hProcess4"/>
-    <dgm:cxn modelId="{6F0B0C16-48C4-4E3E-A85B-C72F90E05D80}" srcId="{150FC9FD-B6B9-454E-AE36-73AFA90D7326}" destId="{62B138A7-62AA-499D-9E59-305408F11315}" srcOrd="0" destOrd="0" parTransId="{0055A947-4ECD-4E00-B00C-C4330A07FC5A}" sibTransId="{C9471C4E-FEA0-499D-B277-68D230899552}"/>
-    <dgm:cxn modelId="{5B1E58AA-8A5C-41AD-B1B0-2CA35D55EB73}" type="presOf" srcId="{C6326527-127A-40A2-A295-BCBA640CD81C}" destId="{6A04ED8E-3529-4EB3-B64D-220CF1E5C0CA}" srcOrd="0" destOrd="0" presId="urn:microsoft.com/office/officeart/2005/8/layout/hProcess4"/>
-    <dgm:cxn modelId="{14C2D548-BC70-4F0B-9B6C-0EBF38CD0DA4}" type="presOf" srcId="{5CCA95A3-3FDF-4659-A762-73246EA3E286}" destId="{DF24D4A9-B470-4320-BE82-FCD8578FB1CC}" srcOrd="0" destOrd="0" presId="urn:microsoft.com/office/officeart/2005/8/layout/hProcess4"/>
+    <dgm:cxn modelId="{ED72F8F9-268E-4EFE-9B7A-B054942A98BC}" type="presOf" srcId="{62B138A7-62AA-499D-9E59-305408F11315}" destId="{126ADA5C-A65B-4268-BDDA-6B1A6B0CE567}" srcOrd="0" destOrd="0" presId="urn:microsoft.com/office/officeart/2005/8/layout/hProcess4"/>
+    <dgm:cxn modelId="{6C1C9386-6E8E-48E3-B2A1-B30B83FF9925}" type="presOf" srcId="{F3334486-6F30-4B68-BABB-19445B4896E5}" destId="{0EC42906-DC70-486B-B68B-42F0C0EFD914}" srcOrd="0" destOrd="0" presId="urn:microsoft.com/office/officeart/2005/8/layout/hProcess4"/>
     <dgm:cxn modelId="{51A8EC0B-1A67-4B3C-AB5F-7082A68E28AF}" srcId="{6F25BBEC-0B83-4014-BB81-F422AB9D8AD3}" destId="{6F1F1240-75AD-4286-805E-8899DFBC2AA9}" srcOrd="1" destOrd="0" parTransId="{780640D5-D044-44A0-8C7B-54377DC5E524}" sibTransId="{C6326527-127A-40A2-A295-BCBA640CD81C}"/>
+    <dgm:cxn modelId="{4744312E-EE1C-4F4F-8435-0720A604BE79}" type="presOf" srcId="{6F1F1240-75AD-4286-805E-8899DFBC2AA9}" destId="{5CAA8734-FAF9-4E9F-9CF3-815FEEB7EA02}" srcOrd="0" destOrd="0" presId="urn:microsoft.com/office/officeart/2005/8/layout/hProcess4"/>
     <dgm:cxn modelId="{DE2C473E-0E61-4B68-B7BB-D57F070360F3}" srcId="{5CCA95A3-3FDF-4659-A762-73246EA3E286}" destId="{C5BAC7C4-4E77-4152-8995-3AEB76FD61EE}" srcOrd="0" destOrd="0" parTransId="{431E09B7-99D4-40FE-8A80-EC740F230E04}" sibTransId="{EE919A78-E666-4ECB-828B-0CE75240E6AF}"/>
-    <dgm:cxn modelId="{6C1C9386-6E8E-48E3-B2A1-B30B83FF9925}" type="presOf" srcId="{F3334486-6F30-4B68-BABB-19445B4896E5}" destId="{0EC42906-DC70-486B-B68B-42F0C0EFD914}" srcOrd="0" destOrd="0" presId="urn:microsoft.com/office/officeart/2005/8/layout/hProcess4"/>
-    <dgm:cxn modelId="{4744312E-EE1C-4F4F-8435-0720A604BE79}" type="presOf" srcId="{6F1F1240-75AD-4286-805E-8899DFBC2AA9}" destId="{5CAA8734-FAF9-4E9F-9CF3-815FEEB7EA02}" srcOrd="0" destOrd="0" presId="urn:microsoft.com/office/officeart/2005/8/layout/hProcess4"/>
-    <dgm:cxn modelId="{A842543B-8882-4E48-8E47-2B08703067E9}" type="presOf" srcId="{6F25BBEC-0B83-4014-BB81-F422AB9D8AD3}" destId="{0A9AEA7F-008A-42ED-9D66-C50B9FF0E844}" srcOrd="0" destOrd="0" presId="urn:microsoft.com/office/officeart/2005/8/layout/hProcess4"/>
-    <dgm:cxn modelId="{ED72F8F9-268E-4EFE-9B7A-B054942A98BC}" type="presOf" srcId="{62B138A7-62AA-499D-9E59-305408F11315}" destId="{126ADA5C-A65B-4268-BDDA-6B1A6B0CE567}" srcOrd="0" destOrd="0" presId="urn:microsoft.com/office/officeart/2005/8/layout/hProcess4"/>
     <dgm:cxn modelId="{4AC78970-ECFA-4C49-9391-B6B9104D1200}" type="presParOf" srcId="{0A9AEA7F-008A-42ED-9D66-C50B9FF0E844}" destId="{96539FA9-E7A4-40A0-937C-4AC31CC1117D}" srcOrd="0" destOrd="0" presId="urn:microsoft.com/office/officeart/2005/8/layout/hProcess4"/>
     <dgm:cxn modelId="{62591789-ADAD-4E2E-BAE2-59C60E65FEE9}" type="presParOf" srcId="{0A9AEA7F-008A-42ED-9D66-C50B9FF0E844}" destId="{E6E90F4D-B4B2-4D37-AE11-2D0DBEEA656E}" srcOrd="1" destOrd="0" presId="urn:microsoft.com/office/officeart/2005/8/layout/hProcess4"/>
     <dgm:cxn modelId="{13C886F1-1986-46D6-AE31-5CB431926FA8}" type="presParOf" srcId="{0A9AEA7F-008A-42ED-9D66-C50B9FF0E844}" destId="{92AE97D1-9B23-4082-95E1-35F2C7E9D705}" srcOrd="2" destOrd="0" presId="urn:microsoft.com/office/officeart/2005/8/layout/hProcess4"/>
@@ -15768,7 +15768,7 @@
           <a:p>
             <a:fld id="{CCC21BEF-BE28-4E76-9D60-7138FB889744}" type="datetimeFigureOut">
               <a:rPr lang="en-US" smtClean="0"/>
-              <a:t>2/20/2019</a:t>
+              <a:t>2/21/2019</a:t>
             </a:fld>
             <a:endParaRPr lang="en-US"/>
           </a:p>
@@ -15934,7 +15934,7 @@
           <a:p>
             <a:fld id="{EECF35F7-200E-49D6-8B7C-AD2DD13040E3}" type="datetimeFigureOut">
               <a:rPr lang="id-ID" smtClean="0"/>
-              <a:t>20/02/2019</a:t>
+              <a:t>21/02/2019</a:t>
             </a:fld>
             <a:endParaRPr lang="id-ID"/>
           </a:p>
@@ -16336,7 +16336,7 @@
           <p:cNvPr id="2" name="Group 1">
             <a:extLst>
               <a:ext uri="{FF2B5EF4-FFF2-40B4-BE49-F238E27FC236}">
-                <a16:creationId xmlns="" xmlns:a16="http://schemas.microsoft.com/office/drawing/2014/main" id="{BF297A3D-1EBC-4C20-A6D0-B4AB835648C5}"/>
+                <a16:creationId xmlns:a16="http://schemas.microsoft.com/office/drawing/2014/main" xmlns="" id="{BF297A3D-1EBC-4C20-A6D0-B4AB835648C5}"/>
               </a:ext>
             </a:extLst>
           </p:cNvPr>
@@ -16609,7 +16609,7 @@
           <p:cNvPr id="12" name="Group 11">
             <a:extLst>
               <a:ext uri="{FF2B5EF4-FFF2-40B4-BE49-F238E27FC236}">
-                <a16:creationId xmlns="" xmlns:a16="http://schemas.microsoft.com/office/drawing/2014/main" id="{6CB640A9-E75A-4093-9667-ABD2E89C2AD7}"/>
+                <a16:creationId xmlns:a16="http://schemas.microsoft.com/office/drawing/2014/main" xmlns="" id="{6CB640A9-E75A-4093-9667-ABD2E89C2AD7}"/>
               </a:ext>
             </a:extLst>
           </p:cNvPr>
@@ -16629,7 +16629,7 @@
             <p:cNvPr id="13" name="Rectangle 12">
               <a:extLst>
                 <a:ext uri="{FF2B5EF4-FFF2-40B4-BE49-F238E27FC236}">
-                  <a16:creationId xmlns="" xmlns:a16="http://schemas.microsoft.com/office/drawing/2014/main" id="{262ED595-A960-4EC6-A66D-72370EA79B32}"/>
+                  <a16:creationId xmlns:a16="http://schemas.microsoft.com/office/drawing/2014/main" xmlns="" id="{262ED595-A960-4EC6-A66D-72370EA79B32}"/>
                 </a:ext>
               </a:extLst>
             </p:cNvPr>
@@ -16698,7 +16698,7 @@
             <p:cNvPr id="14" name="Rectangle 13">
               <a:extLst>
                 <a:ext uri="{FF2B5EF4-FFF2-40B4-BE49-F238E27FC236}">
-                  <a16:creationId xmlns="" xmlns:a16="http://schemas.microsoft.com/office/drawing/2014/main" id="{B6C5A0C2-4FFC-43FE-AF3C-49817869F3D9}"/>
+                  <a16:creationId xmlns:a16="http://schemas.microsoft.com/office/drawing/2014/main" xmlns="" id="{B6C5A0C2-4FFC-43FE-AF3C-49817869F3D9}"/>
                 </a:ext>
               </a:extLst>
             </p:cNvPr>
@@ -16798,7 +16798,7 @@
           <p:cNvPr id="14" name="Group 13">
             <a:extLst>
               <a:ext uri="{FF2B5EF4-FFF2-40B4-BE49-F238E27FC236}">
-                <a16:creationId xmlns="" xmlns:a16="http://schemas.microsoft.com/office/drawing/2014/main" id="{3767F55E-A8D4-4080-A68C-7A89EBC25F20}"/>
+                <a16:creationId xmlns:a16="http://schemas.microsoft.com/office/drawing/2014/main" xmlns="" id="{3767F55E-A8D4-4080-A68C-7A89EBC25F20}"/>
               </a:ext>
             </a:extLst>
           </p:cNvPr>
@@ -16818,7 +16818,7 @@
             <p:cNvPr id="15" name="Rectangle 14">
               <a:extLst>
                 <a:ext uri="{FF2B5EF4-FFF2-40B4-BE49-F238E27FC236}">
-                  <a16:creationId xmlns="" xmlns:a16="http://schemas.microsoft.com/office/drawing/2014/main" id="{3D172E93-39AD-4D63-9BA1-B8B65F6D6F1E}"/>
+                  <a16:creationId xmlns:a16="http://schemas.microsoft.com/office/drawing/2014/main" xmlns="" id="{3D172E93-39AD-4D63-9BA1-B8B65F6D6F1E}"/>
                 </a:ext>
               </a:extLst>
             </p:cNvPr>
@@ -16887,7 +16887,7 @@
             <p:cNvPr id="16" name="Rectangle 15">
               <a:extLst>
                 <a:ext uri="{FF2B5EF4-FFF2-40B4-BE49-F238E27FC236}">
-                  <a16:creationId xmlns="" xmlns:a16="http://schemas.microsoft.com/office/drawing/2014/main" id="{E0B00AE5-724C-4F13-BE78-A3FF537246D8}"/>
+                  <a16:creationId xmlns:a16="http://schemas.microsoft.com/office/drawing/2014/main" xmlns="" id="{E0B00AE5-724C-4F13-BE78-A3FF537246D8}"/>
                 </a:ext>
               </a:extLst>
             </p:cNvPr>
@@ -17314,7 +17314,7 @@
           <p:cNvPr id="12" name="Group 11">
             <a:extLst>
               <a:ext uri="{FF2B5EF4-FFF2-40B4-BE49-F238E27FC236}">
-                <a16:creationId xmlns="" xmlns:a16="http://schemas.microsoft.com/office/drawing/2014/main" id="{339DAB42-6B87-4E41-8A58-64139319C82D}"/>
+                <a16:creationId xmlns:a16="http://schemas.microsoft.com/office/drawing/2014/main" xmlns="" id="{339DAB42-6B87-4E41-8A58-64139319C82D}"/>
               </a:ext>
             </a:extLst>
           </p:cNvPr>
@@ -17334,7 +17334,7 @@
             <p:cNvPr id="13" name="Rectangle 12">
               <a:extLst>
                 <a:ext uri="{FF2B5EF4-FFF2-40B4-BE49-F238E27FC236}">
-                  <a16:creationId xmlns="" xmlns:a16="http://schemas.microsoft.com/office/drawing/2014/main" id="{22EF7F0A-8D0E-4B48-9292-DB29D3890617}"/>
+                  <a16:creationId xmlns:a16="http://schemas.microsoft.com/office/drawing/2014/main" xmlns="" id="{22EF7F0A-8D0E-4B48-9292-DB29D3890617}"/>
                 </a:ext>
               </a:extLst>
             </p:cNvPr>
@@ -17403,7 +17403,7 @@
             <p:cNvPr id="14" name="Rectangle 13">
               <a:extLst>
                 <a:ext uri="{FF2B5EF4-FFF2-40B4-BE49-F238E27FC236}">
-                  <a16:creationId xmlns="" xmlns:a16="http://schemas.microsoft.com/office/drawing/2014/main" id="{4E488A89-9A6A-43B3-8B27-1C5F834123EA}"/>
+                  <a16:creationId xmlns:a16="http://schemas.microsoft.com/office/drawing/2014/main" xmlns="" id="{4E488A89-9A6A-43B3-8B27-1C5F834123EA}"/>
                 </a:ext>
               </a:extLst>
             </p:cNvPr>
@@ -17503,7 +17503,7 @@
           <p:cNvPr id="14" name="Group 13">
             <a:extLst>
               <a:ext uri="{FF2B5EF4-FFF2-40B4-BE49-F238E27FC236}">
-                <a16:creationId xmlns="" xmlns:a16="http://schemas.microsoft.com/office/drawing/2014/main" id="{5AEF91FE-CE08-4C64-9D1A-BF086DAC22E9}"/>
+                <a16:creationId xmlns:a16="http://schemas.microsoft.com/office/drawing/2014/main" xmlns="" id="{5AEF91FE-CE08-4C64-9D1A-BF086DAC22E9}"/>
               </a:ext>
             </a:extLst>
           </p:cNvPr>
@@ -17523,7 +17523,7 @@
             <p:cNvPr id="15" name="Rectangle 14">
               <a:extLst>
                 <a:ext uri="{FF2B5EF4-FFF2-40B4-BE49-F238E27FC236}">
-                  <a16:creationId xmlns="" xmlns:a16="http://schemas.microsoft.com/office/drawing/2014/main" id="{F36587F9-4489-4F31-A201-9E603A9EFA33}"/>
+                  <a16:creationId xmlns:a16="http://schemas.microsoft.com/office/drawing/2014/main" xmlns="" id="{F36587F9-4489-4F31-A201-9E603A9EFA33}"/>
                 </a:ext>
               </a:extLst>
             </p:cNvPr>
@@ -17592,7 +17592,7 @@
             <p:cNvPr id="16" name="Rectangle 15">
               <a:extLst>
                 <a:ext uri="{FF2B5EF4-FFF2-40B4-BE49-F238E27FC236}">
-                  <a16:creationId xmlns="" xmlns:a16="http://schemas.microsoft.com/office/drawing/2014/main" id="{57D842AC-AEF0-446E-9DFB-E136E63032D2}"/>
+                  <a16:creationId xmlns:a16="http://schemas.microsoft.com/office/drawing/2014/main" xmlns="" id="{57D842AC-AEF0-446E-9DFB-E136E63032D2}"/>
                 </a:ext>
               </a:extLst>
             </p:cNvPr>
@@ -19623,28 +19623,28 @@
                 <a:gridCol w="651531">
                   <a:extLst>
                     <a:ext uri="{9D8B030D-6E8A-4147-A177-3AD203B41FA5}">
-                      <a16:colId xmlns="" xmlns:a16="http://schemas.microsoft.com/office/drawing/2014/main" val="1613499061"/>
+                      <a16:colId xmlns:a16="http://schemas.microsoft.com/office/drawing/2014/main" xmlns="" val="1613499061"/>
                     </a:ext>
                   </a:extLst>
                 </a:gridCol>
                 <a:gridCol w="1140176">
                   <a:extLst>
                     <a:ext uri="{9D8B030D-6E8A-4147-A177-3AD203B41FA5}">
-                      <a16:colId xmlns="" xmlns:a16="http://schemas.microsoft.com/office/drawing/2014/main" val="139958052"/>
+                      <a16:colId xmlns:a16="http://schemas.microsoft.com/office/drawing/2014/main" xmlns="" val="139958052"/>
                     </a:ext>
                   </a:extLst>
                 </a:gridCol>
                 <a:gridCol w="1221617">
                   <a:extLst>
                     <a:ext uri="{9D8B030D-6E8A-4147-A177-3AD203B41FA5}">
-                      <a16:colId xmlns="" xmlns:a16="http://schemas.microsoft.com/office/drawing/2014/main" val="563821417"/>
+                      <a16:colId xmlns:a16="http://schemas.microsoft.com/office/drawing/2014/main" xmlns="" val="563821417"/>
                     </a:ext>
                   </a:extLst>
                 </a:gridCol>
                 <a:gridCol w="1181305">
                   <a:extLst>
                     <a:ext uri="{9D8B030D-6E8A-4147-A177-3AD203B41FA5}">
-                      <a16:colId xmlns="" xmlns:a16="http://schemas.microsoft.com/office/drawing/2014/main" val="252765952"/>
+                      <a16:colId xmlns:a16="http://schemas.microsoft.com/office/drawing/2014/main" xmlns="" val="252765952"/>
                     </a:ext>
                   </a:extLst>
                 </a:gridCol>
@@ -19712,7 +19712,7 @@
                 </a:tc>
                 <a:extLst>
                   <a:ext uri="{0D108BD9-81ED-4DB2-BD59-A6C34878D82A}">
-                    <a16:rowId xmlns="" xmlns:a16="http://schemas.microsoft.com/office/drawing/2014/main" val="3592126848"/>
+                    <a16:rowId xmlns:a16="http://schemas.microsoft.com/office/drawing/2014/main" xmlns="" val="3592126848"/>
                   </a:ext>
                 </a:extLst>
               </a:tr>
@@ -19775,7 +19775,7 @@
                 </a:tc>
                 <a:extLst>
                   <a:ext uri="{0D108BD9-81ED-4DB2-BD59-A6C34878D82A}">
-                    <a16:rowId xmlns="" xmlns:a16="http://schemas.microsoft.com/office/drawing/2014/main" val="2434334100"/>
+                    <a16:rowId xmlns:a16="http://schemas.microsoft.com/office/drawing/2014/main" xmlns="" val="2434334100"/>
                   </a:ext>
                 </a:extLst>
               </a:tr>
@@ -19838,7 +19838,7 @@
                 </a:tc>
                 <a:extLst>
                   <a:ext uri="{0D108BD9-81ED-4DB2-BD59-A6C34878D82A}">
-                    <a16:rowId xmlns="" xmlns:a16="http://schemas.microsoft.com/office/drawing/2014/main" val="2178757367"/>
+                    <a16:rowId xmlns:a16="http://schemas.microsoft.com/office/drawing/2014/main" xmlns="" val="2178757367"/>
                   </a:ext>
                 </a:extLst>
               </a:tr>
@@ -19901,7 +19901,7 @@
                 </a:tc>
                 <a:extLst>
                   <a:ext uri="{0D108BD9-81ED-4DB2-BD59-A6C34878D82A}">
-                    <a16:rowId xmlns="" xmlns:a16="http://schemas.microsoft.com/office/drawing/2014/main" val="1855826102"/>
+                    <a16:rowId xmlns:a16="http://schemas.microsoft.com/office/drawing/2014/main" xmlns="" val="1855826102"/>
                   </a:ext>
                 </a:extLst>
               </a:tr>
@@ -20913,7 +20913,7 @@
           <p:cNvPr id="5" name="Content Placeholder 5">
             <a:extLst>
               <a:ext uri="{FF2B5EF4-FFF2-40B4-BE49-F238E27FC236}">
-                <a16:creationId xmlns="" xmlns:a16="http://schemas.microsoft.com/office/drawing/2014/main" id="{7D95672D-CEB1-4176-995E-413BA719A872}"/>
+                <a16:creationId xmlns:a16="http://schemas.microsoft.com/office/drawing/2014/main" xmlns="" id="{7D95672D-CEB1-4176-995E-413BA719A872}"/>
               </a:ext>
             </a:extLst>
           </p:cNvPr>
@@ -20943,7 +20943,7 @@
           <p:cNvPr id="6" name="Content Placeholder 5">
             <a:extLst>
               <a:ext uri="{FF2B5EF4-FFF2-40B4-BE49-F238E27FC236}">
-                <a16:creationId xmlns="" xmlns:a16="http://schemas.microsoft.com/office/drawing/2014/main" id="{12476E74-6BD6-4D6D-981D-4EB5329F8F06}"/>
+                <a16:creationId xmlns:a16="http://schemas.microsoft.com/office/drawing/2014/main" xmlns="" id="{12476E74-6BD6-4D6D-981D-4EB5329F8F06}"/>
               </a:ext>
             </a:extLst>
           </p:cNvPr>
@@ -23149,11 +23149,7 @@
             </a:r>
             <a:r>
               <a:rPr lang="id-ID" dirty="0" smtClean="0"/>
-              <a:t>) </a:t>
-            </a:r>
-            <a:r>
-              <a:rPr lang="id-ID" dirty="0" smtClean="0"/>
-              <a:t>Kontrak Perkuliahan</a:t>
+              <a:t>) Kontrak Perkuliahan</a:t>
             </a:r>
             <a:endParaRPr lang="id-ID" dirty="0"/>
           </a:p>
@@ -25214,22 +25210,16 @@
               <a:rPr lang="en-US" dirty="0"/>
               <a:t>: </a:t>
             </a:r>
-            <a:r>
-              <a:rPr lang="id-ID" dirty="0" smtClean="0">
-                <a:solidFill>
-                  <a:schemeClr val="accent1">
-                    <a:lumMod val="40000"/>
-                    <a:lumOff val="60000"/>
-                  </a:schemeClr>
-                </a:solidFill>
-              </a:rPr>
-              <a:t>0856 4868 8506</a:t>
-            </a:r>
+            <a:endParaRPr lang="id-ID" dirty="0" smtClean="0"/>
           </a:p>
           <a:p>
             <a:r>
               <a:rPr lang="id-ID" dirty="0" smtClean="0"/>
-              <a:t>Komting ADSI SI2C : </a:t>
+              <a:t>Komting </a:t>
+            </a:r>
+            <a:r>
+              <a:rPr lang="id-ID" dirty="0" smtClean="0"/>
+              <a:t>ADSI SI2C : </a:t>
             </a:r>
             <a:r>
               <a:rPr lang="id-ID" dirty="0" smtClean="0">
